--- a/Отчет/Alina_Isakova.pptx
+++ b/Отчет/Alina_Isakova.pptx
@@ -229,7 +229,7 @@
           <a:p>
             <a:fld id="{76FFFFC3-F1D1-4F47-909A-C913E86BA368}" type="datetimeFigureOut">
               <a:rPr lang="ru-RU" smtClean="0"/>
-              <a:t>11.12.2016</a:t>
+              <a:t>13.12.2016</a:t>
             </a:fld>
             <a:endParaRPr lang="ru-RU"/>
           </a:p>
@@ -636,7 +636,6 @@
               <a:rPr lang="ru-RU" baseline="0" dirty="0" smtClean="0"/>
               <a:t>) категории</a:t>
             </a:r>
-            <a:endParaRPr lang="ru-RU" baseline="0" dirty="0" smtClean="0"/>
           </a:p>
         </p:txBody>
       </p:sp>
@@ -1847,10 +1846,7 @@
           <a:bodyPr/>
           <a:lstStyle/>
           <a:p>
-            <a:r>
-              <a:rPr lang="ru-RU" dirty="0"/>
-              <a:t>Для </a:t>
-            </a:r>
+            <a:endParaRPr lang="ru-RU" dirty="0"/>
           </a:p>
         </p:txBody>
       </p:sp>
@@ -2710,7 +2706,6 @@
               <a:rPr lang="ru-RU" baseline="0" dirty="0" smtClean="0"/>
               <a:t>который подключит нас к базе.</a:t>
             </a:r>
-            <a:endParaRPr lang="ru-RU" baseline="0" dirty="0" smtClean="0"/>
           </a:p>
         </p:txBody>
       </p:sp>
@@ -2963,7 +2958,7 @@
           <a:p>
             <a:fld id="{B4C71EC6-210F-42DE-9C53-41977AD35B3D}" type="datetimeFigureOut">
               <a:rPr lang="ru-RU" smtClean="0"/>
-              <a:t>11.12.2016</a:t>
+              <a:t>13.12.2016</a:t>
             </a:fld>
             <a:endParaRPr lang="ru-RU"/>
           </a:p>
@@ -3254,7 +3249,7 @@
           <a:p>
             <a:fld id="{B4C71EC6-210F-42DE-9C53-41977AD35B3D}" type="datetimeFigureOut">
               <a:rPr lang="ru-RU" smtClean="0"/>
-              <a:t>11.12.2016</a:t>
+              <a:t>13.12.2016</a:t>
             </a:fld>
             <a:endParaRPr lang="ru-RU"/>
           </a:p>
@@ -3518,7 +3513,7 @@
           <a:p>
             <a:fld id="{B4C71EC6-210F-42DE-9C53-41977AD35B3D}" type="datetimeFigureOut">
               <a:rPr lang="ru-RU" smtClean="0"/>
-              <a:t>11.12.2016</a:t>
+              <a:t>13.12.2016</a:t>
             </a:fld>
             <a:endParaRPr lang="ru-RU"/>
           </a:p>
@@ -4078,7 +4073,7 @@
           <a:p>
             <a:fld id="{B4C71EC6-210F-42DE-9C53-41977AD35B3D}" type="datetimeFigureOut">
               <a:rPr lang="ru-RU" smtClean="0"/>
-              <a:t>11.12.2016</a:t>
+              <a:t>13.12.2016</a:t>
             </a:fld>
             <a:endParaRPr lang="ru-RU"/>
           </a:p>
@@ -4337,7 +4332,7 @@
           <a:p>
             <a:fld id="{B4C71EC6-210F-42DE-9C53-41977AD35B3D}" type="datetimeFigureOut">
               <a:rPr lang="ru-RU" smtClean="0"/>
-              <a:t>11.12.2016</a:t>
+              <a:t>13.12.2016</a:t>
             </a:fld>
             <a:endParaRPr lang="ru-RU"/>
           </a:p>
@@ -4913,7 +4908,7 @@
           <a:p>
             <a:fld id="{B4C71EC6-210F-42DE-9C53-41977AD35B3D}" type="datetimeFigureOut">
               <a:rPr lang="ru-RU" smtClean="0"/>
-              <a:t>11.12.2016</a:t>
+              <a:t>13.12.2016</a:t>
             </a:fld>
             <a:endParaRPr lang="ru-RU"/>
           </a:p>
@@ -5245,7 +5240,7 @@
           <a:p>
             <a:fld id="{B4C71EC6-210F-42DE-9C53-41977AD35B3D}" type="datetimeFigureOut">
               <a:rPr lang="ru-RU" smtClean="0"/>
-              <a:t>11.12.2016</a:t>
+              <a:t>13.12.2016</a:t>
             </a:fld>
             <a:endParaRPr lang="ru-RU"/>
           </a:p>
@@ -5420,7 +5415,7 @@
           <a:p>
             <a:fld id="{B4C71EC6-210F-42DE-9C53-41977AD35B3D}" type="datetimeFigureOut">
               <a:rPr lang="ru-RU" smtClean="0"/>
-              <a:t>11.12.2016</a:t>
+              <a:t>13.12.2016</a:t>
             </a:fld>
             <a:endParaRPr lang="ru-RU"/>
           </a:p>
@@ -5600,7 +5595,7 @@
           <a:p>
             <a:fld id="{B4C71EC6-210F-42DE-9C53-41977AD35B3D}" type="datetimeFigureOut">
               <a:rPr lang="ru-RU" smtClean="0"/>
-              <a:t>11.12.2016</a:t>
+              <a:t>13.12.2016</a:t>
             </a:fld>
             <a:endParaRPr lang="ru-RU"/>
           </a:p>
@@ -5770,7 +5765,7 @@
           <a:p>
             <a:fld id="{B4C71EC6-210F-42DE-9C53-41977AD35B3D}" type="datetimeFigureOut">
               <a:rPr lang="ru-RU" smtClean="0"/>
-              <a:t>11.12.2016</a:t>
+              <a:t>13.12.2016</a:t>
             </a:fld>
             <a:endParaRPr lang="ru-RU"/>
           </a:p>
@@ -6029,7 +6024,7 @@
           <a:p>
             <a:fld id="{B4C71EC6-210F-42DE-9C53-41977AD35B3D}" type="datetimeFigureOut">
               <a:rPr lang="ru-RU" smtClean="0"/>
-              <a:t>11.12.2016</a:t>
+              <a:t>13.12.2016</a:t>
             </a:fld>
             <a:endParaRPr lang="ru-RU"/>
           </a:p>
@@ -6321,7 +6316,7 @@
           <a:p>
             <a:fld id="{B4C71EC6-210F-42DE-9C53-41977AD35B3D}" type="datetimeFigureOut">
               <a:rPr lang="ru-RU" smtClean="0"/>
-              <a:t>11.12.2016</a:t>
+              <a:t>13.12.2016</a:t>
             </a:fld>
             <a:endParaRPr lang="ru-RU"/>
           </a:p>
@@ -6751,7 +6746,7 @@
           <a:p>
             <a:fld id="{B4C71EC6-210F-42DE-9C53-41977AD35B3D}" type="datetimeFigureOut">
               <a:rPr lang="ru-RU" smtClean="0"/>
-              <a:t>11.12.2016</a:t>
+              <a:t>13.12.2016</a:t>
             </a:fld>
             <a:endParaRPr lang="ru-RU"/>
           </a:p>
@@ -6875,7 +6870,7 @@
           <a:p>
             <a:fld id="{B4C71EC6-210F-42DE-9C53-41977AD35B3D}" type="datetimeFigureOut">
               <a:rPr lang="ru-RU" smtClean="0"/>
-              <a:t>11.12.2016</a:t>
+              <a:t>13.12.2016</a:t>
             </a:fld>
             <a:endParaRPr lang="ru-RU"/>
           </a:p>
@@ -6970,7 +6965,7 @@
           <a:p>
             <a:fld id="{B4C71EC6-210F-42DE-9C53-41977AD35B3D}" type="datetimeFigureOut">
               <a:rPr lang="ru-RU" smtClean="0"/>
-              <a:t>11.12.2016</a:t>
+              <a:t>13.12.2016</a:t>
             </a:fld>
             <a:endParaRPr lang="ru-RU"/>
           </a:p>
@@ -7253,7 +7248,7 @@
           <a:p>
             <a:fld id="{B4C71EC6-210F-42DE-9C53-41977AD35B3D}" type="datetimeFigureOut">
               <a:rPr lang="ru-RU" smtClean="0"/>
-              <a:t>11.12.2016</a:t>
+              <a:t>13.12.2016</a:t>
             </a:fld>
             <a:endParaRPr lang="ru-RU"/>
           </a:p>
@@ -7544,7 +7539,7 @@
           <a:p>
             <a:fld id="{B4C71EC6-210F-42DE-9C53-41977AD35B3D}" type="datetimeFigureOut">
               <a:rPr lang="ru-RU" smtClean="0"/>
-              <a:t>11.12.2016</a:t>
+              <a:t>13.12.2016</a:t>
             </a:fld>
             <a:endParaRPr lang="ru-RU"/>
           </a:p>
@@ -7775,7 +7770,7 @@
           <a:p>
             <a:fld id="{B4C71EC6-210F-42DE-9C53-41977AD35B3D}" type="datetimeFigureOut">
               <a:rPr lang="ru-RU" smtClean="0"/>
-              <a:t>11.12.2016</a:t>
+              <a:t>13.12.2016</a:t>
             </a:fld>
             <a:endParaRPr lang="ru-RU"/>
           </a:p>
@@ -8841,13 +8836,18 @@
           <a:lstStyle/>
           <a:p>
             <a:r>
-              <a:rPr lang="ru-RU" dirty="0">
+              <a:rPr lang="ru-RU" dirty="0" smtClean="0">
                 <a:solidFill>
                   <a:schemeClr val="bg1"/>
                 </a:solidFill>
               </a:rPr>
-              <a:t>Логическая схема БД</a:t>
-            </a:r>
+              <a:t>Пример работы с БД</a:t>
+            </a:r>
+            <a:endParaRPr lang="ru-RU" dirty="0">
+              <a:solidFill>
+                <a:schemeClr val="bg1"/>
+              </a:solidFill>
+            </a:endParaRPr>
           </a:p>
         </p:txBody>
       </p:sp>
@@ -10034,8 +10034,29 @@
                   <a:schemeClr val="tx1"/>
                 </a:solidFill>
               </a:rPr>
-              <a:t>Цель: Целью курсовой работы является разработка приложения «Кулинарный справочник». </a:t>
-            </a:r>
+              <a:t>Цель: Целью курсовой работы является разработка приложения </a:t>
+            </a:r>
+            <a:r>
+              <a:rPr lang="ru-RU" sz="2000" dirty="0" smtClean="0">
+                <a:solidFill>
+                  <a:schemeClr val="tx1"/>
+                </a:solidFill>
+              </a:rPr>
+              <a:t>«Повар</a:t>
+            </a:r>
+            <a:r>
+              <a:rPr lang="ru-RU" sz="2000" dirty="0" smtClean="0">
+                <a:solidFill>
+                  <a:schemeClr val="tx1"/>
+                </a:solidFill>
+              </a:rPr>
+              <a:t>». </a:t>
+            </a:r>
+            <a:endParaRPr lang="ru-RU" sz="2000" dirty="0">
+              <a:solidFill>
+                <a:schemeClr val="tx1"/>
+              </a:solidFill>
+            </a:endParaRPr>
           </a:p>
           <a:p>
             <a:pPr algn="l"/>
@@ -10114,32 +10135,74 @@
           <a:p>
             <a:pPr lvl="0" algn="l"/>
             <a:r>
+              <a:rPr lang="ru-RU" sz="2000" dirty="0" smtClean="0">
+                <a:solidFill>
+                  <a:schemeClr val="tx1"/>
+                </a:solidFill>
+              </a:rPr>
+              <a:t>3.Спроектировать и разработать базу данных.</a:t>
+            </a:r>
+            <a:endParaRPr lang="ru-RU" sz="2000" dirty="0">
+              <a:solidFill>
+                <a:schemeClr val="tx1"/>
+              </a:solidFill>
+            </a:endParaRPr>
+          </a:p>
+          <a:p>
+            <a:pPr lvl="0" algn="l"/>
+            <a:r>
               <a:rPr lang="ru-RU" sz="2000" dirty="0">
                 <a:solidFill>
                   <a:schemeClr val="tx1"/>
                 </a:solidFill>
               </a:rPr>
-              <a:t>3.Разработать структуру программы и базы данных, разработать функционал программы, соответствующий техническому заданию.</a:t>
-            </a:r>
-          </a:p>
-          <a:p>
-            <a:pPr lvl="0" algn="l"/>
+              <a:t>4. </a:t>
+            </a:r>
+            <a:r>
+              <a:rPr lang="ru-RU" sz="2000" dirty="0" smtClean="0">
+                <a:solidFill>
+                  <a:schemeClr val="tx1"/>
+                </a:solidFill>
+              </a:rPr>
+              <a:t>Разработать </a:t>
+            </a:r>
             <a:r>
               <a:rPr lang="ru-RU" sz="2000" dirty="0">
                 <a:solidFill>
                   <a:schemeClr val="tx1"/>
                 </a:solidFill>
               </a:rPr>
-              <a:t>4. Разработать интерфейс, логику и базу данных для приложения</a:t>
-            </a:r>
-            <a:r>
-              <a:rPr lang="ru-RU" sz="2000" dirty="0">
+              <a:t>логику </a:t>
+            </a:r>
+            <a:r>
+              <a:rPr lang="ru-RU" sz="2000" dirty="0" smtClean="0">
+                <a:solidFill>
+                  <a:schemeClr val="tx1"/>
+                </a:solidFill>
+              </a:rPr>
+              <a:t>работы приложения </a:t>
+            </a:r>
+            <a:r>
+              <a:rPr lang="ru-RU" sz="2000" dirty="0" smtClean="0">
+                <a:solidFill>
+                  <a:schemeClr val="tx1"/>
+                </a:solidFill>
+              </a:rPr>
+              <a:t>с базой данных.</a:t>
+            </a:r>
+            <a:r>
+              <a:rPr lang="ru-RU" sz="2000" dirty="0" smtClean="0">
                 <a:solidFill>
                   <a:schemeClr val="bg1"/>
                 </a:solidFill>
               </a:rPr>
               <a:t>. </a:t>
             </a:r>
+            <a:endParaRPr lang="ru-RU" sz="2000" dirty="0">
+              <a:solidFill>
+                <a:schemeClr val="bg1"/>
+              </a:solidFill>
+            </a:endParaRPr>
           </a:p>
           <a:p>
             <a:pPr algn="l"/>
@@ -10750,7 +10813,7 @@
         </p:blipFill>
         <p:spPr bwMode="auto">
           <a:xfrm>
-            <a:off x="2578317" y="5589742"/>
+            <a:off x="2067217" y="4777091"/>
             <a:ext cx="4382902" cy="1241327"/>
           </a:xfrm>
           <a:prstGeom prst="rect">
@@ -10791,7 +10854,7 @@
         </p:blipFill>
         <p:spPr bwMode="auto">
           <a:xfrm>
-            <a:off x="5067884" y="2852936"/>
+            <a:off x="5286375" y="2654562"/>
             <a:ext cx="3857625" cy="1905000"/>
           </a:xfrm>
           <a:prstGeom prst="rect">
@@ -10872,7 +10935,7 @@
         </p:blipFill>
         <p:spPr>
           <a:xfrm>
-            <a:off x="2080666" y="1064857"/>
+            <a:off x="2067217" y="1192312"/>
             <a:ext cx="4887528" cy="1244721"/>
           </a:xfrm>
           <a:prstGeom prst="rect">
@@ -10945,13 +11008,18 @@
           <a:lstStyle/>
           <a:p>
             <a:r>
-              <a:rPr lang="ru-RU" dirty="0">
+              <a:rPr lang="ru-RU" dirty="0" smtClean="0">
                 <a:solidFill>
                   <a:schemeClr val="bg1"/>
                 </a:solidFill>
               </a:rPr>
               <a:t>Функциональная схема программы</a:t>
             </a:r>
+            <a:endParaRPr lang="ru-RU" dirty="0">
+              <a:solidFill>
+                <a:schemeClr val="bg1"/>
+              </a:solidFill>
+            </a:endParaRPr>
           </a:p>
         </p:txBody>
       </p:sp>
@@ -10977,7 +11045,7 @@
         </p:blipFill>
         <p:spPr>
           <a:xfrm>
-            <a:off x="314527" y="1700807"/>
+            <a:off x="314527" y="1700808"/>
             <a:ext cx="8649961" cy="4613313"/>
           </a:xfrm>
           <a:prstGeom prst="rect">
